--- a/notes/Control statements.pptx
+++ b/notes/Control statements.pptx
@@ -252,8 +252,7 @@
           <a:p>
             <a:fld id="{3EE1F0B3-7AD1-48B7-A383-B963933A6CD2}" type="datetimeFigureOut">
               <a:rPr lang="en-IN" smtClean="0"/>
-              <a:pPr/>
-              <a:t>13-03-2024</a:t>
+              <a:t>10-07-2017</a:t>
             </a:fld>
             <a:endParaRPr lang="en-IN"/>
           </a:p>
@@ -295,7 +294,6 @@
           <a:p>
             <a:fld id="{DA65029E-9B45-46CC-9562-90FA0A923D45}" type="slidenum">
               <a:rPr lang="en-IN" smtClean="0"/>
-              <a:pPr/>
               <a:t>‹#›</a:t>
             </a:fld>
             <a:endParaRPr lang="en-IN"/>
@@ -305,7 +303,7 @@
     </p:spTree>
     <p:extLst>
       <p:ext uri="{BB962C8B-B14F-4D97-AF65-F5344CB8AC3E}">
-        <p14:creationId xmlns:p14="http://schemas.microsoft.com/office/powerpoint/2010/main" xmlns="" val="1071239458"/>
+        <p14:creationId xmlns:p14="http://schemas.microsoft.com/office/powerpoint/2010/main" val="1071239458"/>
       </p:ext>
     </p:extLst>
   </p:cSld>
@@ -424,8 +422,7 @@
           <a:p>
             <a:fld id="{3EE1F0B3-7AD1-48B7-A383-B963933A6CD2}" type="datetimeFigureOut">
               <a:rPr lang="en-IN" smtClean="0"/>
-              <a:pPr/>
-              <a:t>13-03-2024</a:t>
+              <a:t>10-07-2017</a:t>
             </a:fld>
             <a:endParaRPr lang="en-IN"/>
           </a:p>
@@ -467,7 +464,6 @@
           <a:p>
             <a:fld id="{DA65029E-9B45-46CC-9562-90FA0A923D45}" type="slidenum">
               <a:rPr lang="en-IN" smtClean="0"/>
-              <a:pPr/>
               <a:t>‹#›</a:t>
             </a:fld>
             <a:endParaRPr lang="en-IN"/>
@@ -477,7 +473,7 @@
     </p:spTree>
     <p:extLst>
       <p:ext uri="{BB962C8B-B14F-4D97-AF65-F5344CB8AC3E}">
-        <p14:creationId xmlns:p14="http://schemas.microsoft.com/office/powerpoint/2010/main" xmlns="" val="1726824027"/>
+        <p14:creationId xmlns:p14="http://schemas.microsoft.com/office/powerpoint/2010/main" val="1726824027"/>
       </p:ext>
     </p:extLst>
   </p:cSld>
@@ -606,8 +602,7 @@
           <a:p>
             <a:fld id="{3EE1F0B3-7AD1-48B7-A383-B963933A6CD2}" type="datetimeFigureOut">
               <a:rPr lang="en-IN" smtClean="0"/>
-              <a:pPr/>
-              <a:t>13-03-2024</a:t>
+              <a:t>10-07-2017</a:t>
             </a:fld>
             <a:endParaRPr lang="en-IN"/>
           </a:p>
@@ -649,7 +644,6 @@
           <a:p>
             <a:fld id="{DA65029E-9B45-46CC-9562-90FA0A923D45}" type="slidenum">
               <a:rPr lang="en-IN" smtClean="0"/>
-              <a:pPr/>
               <a:t>‹#›</a:t>
             </a:fld>
             <a:endParaRPr lang="en-IN"/>
@@ -659,7 +653,7 @@
     </p:spTree>
     <p:extLst>
       <p:ext uri="{BB962C8B-B14F-4D97-AF65-F5344CB8AC3E}">
-        <p14:creationId xmlns:p14="http://schemas.microsoft.com/office/powerpoint/2010/main" xmlns="" val="2892518036"/>
+        <p14:creationId xmlns:p14="http://schemas.microsoft.com/office/powerpoint/2010/main" val="2892518036"/>
       </p:ext>
     </p:extLst>
   </p:cSld>
@@ -778,8 +772,7 @@
           <a:p>
             <a:fld id="{3EE1F0B3-7AD1-48B7-A383-B963933A6CD2}" type="datetimeFigureOut">
               <a:rPr lang="en-IN" smtClean="0"/>
-              <a:pPr/>
-              <a:t>13-03-2024</a:t>
+              <a:t>10-07-2017</a:t>
             </a:fld>
             <a:endParaRPr lang="en-IN"/>
           </a:p>
@@ -821,7 +814,6 @@
           <a:p>
             <a:fld id="{DA65029E-9B45-46CC-9562-90FA0A923D45}" type="slidenum">
               <a:rPr lang="en-IN" smtClean="0"/>
-              <a:pPr/>
               <a:t>‹#›</a:t>
             </a:fld>
             <a:endParaRPr lang="en-IN"/>
@@ -831,7 +823,7 @@
     </p:spTree>
     <p:extLst>
       <p:ext uri="{BB962C8B-B14F-4D97-AF65-F5344CB8AC3E}">
-        <p14:creationId xmlns:p14="http://schemas.microsoft.com/office/powerpoint/2010/main" xmlns="" val="2923948279"/>
+        <p14:creationId xmlns:p14="http://schemas.microsoft.com/office/powerpoint/2010/main" val="2923948279"/>
       </p:ext>
     </p:extLst>
   </p:cSld>
@@ -1024,8 +1016,7 @@
           <a:p>
             <a:fld id="{3EE1F0B3-7AD1-48B7-A383-B963933A6CD2}" type="datetimeFigureOut">
               <a:rPr lang="en-IN" smtClean="0"/>
-              <a:pPr/>
-              <a:t>13-03-2024</a:t>
+              <a:t>10-07-2017</a:t>
             </a:fld>
             <a:endParaRPr lang="en-IN"/>
           </a:p>
@@ -1067,7 +1058,6 @@
           <a:p>
             <a:fld id="{DA65029E-9B45-46CC-9562-90FA0A923D45}" type="slidenum">
               <a:rPr lang="en-IN" smtClean="0"/>
-              <a:pPr/>
               <a:t>‹#›</a:t>
             </a:fld>
             <a:endParaRPr lang="en-IN"/>
@@ -1077,7 +1067,7 @@
     </p:spTree>
     <p:extLst>
       <p:ext uri="{BB962C8B-B14F-4D97-AF65-F5344CB8AC3E}">
-        <p14:creationId xmlns:p14="http://schemas.microsoft.com/office/powerpoint/2010/main" xmlns="" val="2403526611"/>
+        <p14:creationId xmlns:p14="http://schemas.microsoft.com/office/powerpoint/2010/main" val="2403526611"/>
       </p:ext>
     </p:extLst>
   </p:cSld>
@@ -1258,8 +1248,7 @@
           <a:p>
             <a:fld id="{3EE1F0B3-7AD1-48B7-A383-B963933A6CD2}" type="datetimeFigureOut">
               <a:rPr lang="en-IN" smtClean="0"/>
-              <a:pPr/>
-              <a:t>13-03-2024</a:t>
+              <a:t>10-07-2017</a:t>
             </a:fld>
             <a:endParaRPr lang="en-IN"/>
           </a:p>
@@ -1301,7 +1290,6 @@
           <a:p>
             <a:fld id="{DA65029E-9B45-46CC-9562-90FA0A923D45}" type="slidenum">
               <a:rPr lang="en-IN" smtClean="0"/>
-              <a:pPr/>
               <a:t>‹#›</a:t>
             </a:fld>
             <a:endParaRPr lang="en-IN"/>
@@ -1311,7 +1299,7 @@
     </p:spTree>
     <p:extLst>
       <p:ext uri="{BB962C8B-B14F-4D97-AF65-F5344CB8AC3E}">
-        <p14:creationId xmlns:p14="http://schemas.microsoft.com/office/powerpoint/2010/main" xmlns="" val="983525441"/>
+        <p14:creationId xmlns:p14="http://schemas.microsoft.com/office/powerpoint/2010/main" val="983525441"/>
       </p:ext>
     </p:extLst>
   </p:cSld>
@@ -1627,8 +1615,7 @@
           <a:p>
             <a:fld id="{3EE1F0B3-7AD1-48B7-A383-B963933A6CD2}" type="datetimeFigureOut">
               <a:rPr lang="en-IN" smtClean="0"/>
-              <a:pPr/>
-              <a:t>13-03-2024</a:t>
+              <a:t>10-07-2017</a:t>
             </a:fld>
             <a:endParaRPr lang="en-IN"/>
           </a:p>
@@ -1670,7 +1657,6 @@
           <a:p>
             <a:fld id="{DA65029E-9B45-46CC-9562-90FA0A923D45}" type="slidenum">
               <a:rPr lang="en-IN" smtClean="0"/>
-              <a:pPr/>
               <a:t>‹#›</a:t>
             </a:fld>
             <a:endParaRPr lang="en-IN"/>
@@ -1680,7 +1666,7 @@
     </p:spTree>
     <p:extLst>
       <p:ext uri="{BB962C8B-B14F-4D97-AF65-F5344CB8AC3E}">
-        <p14:creationId xmlns:p14="http://schemas.microsoft.com/office/powerpoint/2010/main" xmlns="" val="736200058"/>
+        <p14:creationId xmlns:p14="http://schemas.microsoft.com/office/powerpoint/2010/main" val="736200058"/>
       </p:ext>
     </p:extLst>
   </p:cSld>
@@ -1747,8 +1733,7 @@
           <a:p>
             <a:fld id="{3EE1F0B3-7AD1-48B7-A383-B963933A6CD2}" type="datetimeFigureOut">
               <a:rPr lang="en-IN" smtClean="0"/>
-              <a:pPr/>
-              <a:t>13-03-2024</a:t>
+              <a:t>10-07-2017</a:t>
             </a:fld>
             <a:endParaRPr lang="en-IN"/>
           </a:p>
@@ -1790,7 +1775,6 @@
           <a:p>
             <a:fld id="{DA65029E-9B45-46CC-9562-90FA0A923D45}" type="slidenum">
               <a:rPr lang="en-IN" smtClean="0"/>
-              <a:pPr/>
               <a:t>‹#›</a:t>
             </a:fld>
             <a:endParaRPr lang="en-IN"/>
@@ -1800,7 +1784,7 @@
     </p:spTree>
     <p:extLst>
       <p:ext uri="{BB962C8B-B14F-4D97-AF65-F5344CB8AC3E}">
-        <p14:creationId xmlns:p14="http://schemas.microsoft.com/office/powerpoint/2010/main" xmlns="" val="3165298772"/>
+        <p14:creationId xmlns:p14="http://schemas.microsoft.com/office/powerpoint/2010/main" val="3165298772"/>
       </p:ext>
     </p:extLst>
   </p:cSld>
@@ -1844,8 +1828,7 @@
           <a:p>
             <a:fld id="{3EE1F0B3-7AD1-48B7-A383-B963933A6CD2}" type="datetimeFigureOut">
               <a:rPr lang="en-IN" smtClean="0"/>
-              <a:pPr/>
-              <a:t>13-03-2024</a:t>
+              <a:t>10-07-2017</a:t>
             </a:fld>
             <a:endParaRPr lang="en-IN"/>
           </a:p>
@@ -1887,7 +1870,6 @@
           <a:p>
             <a:fld id="{DA65029E-9B45-46CC-9562-90FA0A923D45}" type="slidenum">
               <a:rPr lang="en-IN" smtClean="0"/>
-              <a:pPr/>
               <a:t>‹#›</a:t>
             </a:fld>
             <a:endParaRPr lang="en-IN"/>
@@ -1897,7 +1879,7 @@
     </p:spTree>
     <p:extLst>
       <p:ext uri="{BB962C8B-B14F-4D97-AF65-F5344CB8AC3E}">
-        <p14:creationId xmlns:p14="http://schemas.microsoft.com/office/powerpoint/2010/main" xmlns="" val="4184296431"/>
+        <p14:creationId xmlns:p14="http://schemas.microsoft.com/office/powerpoint/2010/main" val="4184296431"/>
       </p:ext>
     </p:extLst>
   </p:cSld>
@@ -2123,8 +2105,7 @@
           <a:p>
             <a:fld id="{3EE1F0B3-7AD1-48B7-A383-B963933A6CD2}" type="datetimeFigureOut">
               <a:rPr lang="en-IN" smtClean="0"/>
-              <a:pPr/>
-              <a:t>13-03-2024</a:t>
+              <a:t>10-07-2017</a:t>
             </a:fld>
             <a:endParaRPr lang="en-IN"/>
           </a:p>
@@ -2166,7 +2147,6 @@
           <a:p>
             <a:fld id="{DA65029E-9B45-46CC-9562-90FA0A923D45}" type="slidenum">
               <a:rPr lang="en-IN" smtClean="0"/>
-              <a:pPr/>
               <a:t>‹#›</a:t>
             </a:fld>
             <a:endParaRPr lang="en-IN"/>
@@ -2176,7 +2156,7 @@
     </p:spTree>
     <p:extLst>
       <p:ext uri="{BB962C8B-B14F-4D97-AF65-F5344CB8AC3E}">
-        <p14:creationId xmlns:p14="http://schemas.microsoft.com/office/powerpoint/2010/main" xmlns="" val="2581466148"/>
+        <p14:creationId xmlns:p14="http://schemas.microsoft.com/office/powerpoint/2010/main" val="2581466148"/>
       </p:ext>
     </p:extLst>
   </p:cSld>
@@ -2382,8 +2362,7 @@
           <a:p>
             <a:fld id="{3EE1F0B3-7AD1-48B7-A383-B963933A6CD2}" type="datetimeFigureOut">
               <a:rPr lang="en-IN" smtClean="0"/>
-              <a:pPr/>
-              <a:t>13-03-2024</a:t>
+              <a:t>10-07-2017</a:t>
             </a:fld>
             <a:endParaRPr lang="en-IN"/>
           </a:p>
@@ -2425,7 +2404,6 @@
           <a:p>
             <a:fld id="{DA65029E-9B45-46CC-9562-90FA0A923D45}" type="slidenum">
               <a:rPr lang="en-IN" smtClean="0"/>
-              <a:pPr/>
               <a:t>‹#›</a:t>
             </a:fld>
             <a:endParaRPr lang="en-IN"/>
@@ -2435,7 +2413,7 @@
     </p:spTree>
     <p:extLst>
       <p:ext uri="{BB962C8B-B14F-4D97-AF65-F5344CB8AC3E}">
-        <p14:creationId xmlns:p14="http://schemas.microsoft.com/office/powerpoint/2010/main" xmlns="" val="3499997095"/>
+        <p14:creationId xmlns:p14="http://schemas.microsoft.com/office/powerpoint/2010/main" val="3499997095"/>
       </p:ext>
     </p:extLst>
   </p:cSld>
@@ -2597,8 +2575,7 @@
           <a:p>
             <a:fld id="{3EE1F0B3-7AD1-48B7-A383-B963933A6CD2}" type="datetimeFigureOut">
               <a:rPr lang="en-IN" smtClean="0"/>
-              <a:pPr/>
-              <a:t>13-03-2024</a:t>
+              <a:t>10-07-2017</a:t>
             </a:fld>
             <a:endParaRPr lang="en-IN"/>
           </a:p>
@@ -2676,7 +2653,6 @@
           <a:p>
             <a:fld id="{DA65029E-9B45-46CC-9562-90FA0A923D45}" type="slidenum">
               <a:rPr lang="en-IN" smtClean="0"/>
-              <a:pPr/>
               <a:t>‹#›</a:t>
             </a:fld>
             <a:endParaRPr lang="en-IN"/>
@@ -2686,7 +2662,7 @@
     </p:spTree>
     <p:extLst>
       <p:ext uri="{BB962C8B-B14F-4D97-AF65-F5344CB8AC3E}">
-        <p14:creationId xmlns:p14="http://schemas.microsoft.com/office/powerpoint/2010/main" xmlns="" val="823327342"/>
+        <p14:creationId xmlns:p14="http://schemas.microsoft.com/office/powerpoint/2010/main" val="823327342"/>
       </p:ext>
     </p:extLst>
   </p:cSld>
@@ -3061,7 +3037,7 @@
     </p:spTree>
     <p:extLst>
       <p:ext uri="{BB962C8B-B14F-4D97-AF65-F5344CB8AC3E}">
-        <p14:creationId xmlns:p14="http://schemas.microsoft.com/office/powerpoint/2010/main" xmlns="" val="3149537165"/>
+        <p14:creationId xmlns:p14="http://schemas.microsoft.com/office/powerpoint/2010/main" val="3149537165"/>
       </p:ext>
     </p:extLst>
   </p:cSld>
@@ -3216,7 +3192,7 @@
     </p:spTree>
     <p:extLst>
       <p:ext uri="{BB962C8B-B14F-4D97-AF65-F5344CB8AC3E}">
-        <p14:creationId xmlns:p14="http://schemas.microsoft.com/office/powerpoint/2010/main" xmlns="" val="1377675446"/>
+        <p14:creationId xmlns:p14="http://schemas.microsoft.com/office/powerpoint/2010/main" val="1377675446"/>
       </p:ext>
     </p:extLst>
   </p:cSld>
@@ -3490,7 +3466,7 @@
     </p:spTree>
     <p:extLst>
       <p:ext uri="{BB962C8B-B14F-4D97-AF65-F5344CB8AC3E}">
-        <p14:creationId xmlns:p14="http://schemas.microsoft.com/office/powerpoint/2010/main" xmlns="" val="283879726"/>
+        <p14:creationId xmlns:p14="http://schemas.microsoft.com/office/powerpoint/2010/main" val="283879726"/>
       </p:ext>
     </p:extLst>
   </p:cSld>
@@ -3623,7 +3599,7 @@
     </p:spTree>
     <p:extLst>
       <p:ext uri="{BB962C8B-B14F-4D97-AF65-F5344CB8AC3E}">
-        <p14:creationId xmlns:p14="http://schemas.microsoft.com/office/powerpoint/2010/main" xmlns="" val="1703347757"/>
+        <p14:creationId xmlns:p14="http://schemas.microsoft.com/office/powerpoint/2010/main" val="1703347757"/>
       </p:ext>
     </p:extLst>
   </p:cSld>
@@ -3749,7 +3725,7 @@
     </p:spTree>
     <p:extLst>
       <p:ext uri="{BB962C8B-B14F-4D97-AF65-F5344CB8AC3E}">
-        <p14:creationId xmlns:p14="http://schemas.microsoft.com/office/powerpoint/2010/main" xmlns="" val="2727370251"/>
+        <p14:creationId xmlns:p14="http://schemas.microsoft.com/office/powerpoint/2010/main" val="2727370251"/>
       </p:ext>
     </p:extLst>
   </p:cSld>
@@ -3827,7 +3803,7 @@
     </p:spTree>
     <p:extLst>
       <p:ext uri="{BB962C8B-B14F-4D97-AF65-F5344CB8AC3E}">
-        <p14:creationId xmlns:p14="http://schemas.microsoft.com/office/powerpoint/2010/main" xmlns="" val="3177334694"/>
+        <p14:creationId xmlns:p14="http://schemas.microsoft.com/office/powerpoint/2010/main" val="3177334694"/>
       </p:ext>
     </p:extLst>
   </p:cSld>
@@ -3905,7 +3881,7 @@
     </p:spTree>
     <p:extLst>
       <p:ext uri="{BB962C8B-B14F-4D97-AF65-F5344CB8AC3E}">
-        <p14:creationId xmlns:p14="http://schemas.microsoft.com/office/powerpoint/2010/main" xmlns="" val="1955238268"/>
+        <p14:creationId xmlns:p14="http://schemas.microsoft.com/office/powerpoint/2010/main" val="1955238268"/>
       </p:ext>
     </p:extLst>
   </p:cSld>
@@ -3944,7 +3920,7 @@
           <a:blip r:embed="rId2">
             <a:extLst>
               <a:ext uri="{28A0092B-C50C-407E-A947-70E740481C1C}">
-                <a14:useLocalDpi xmlns:a14="http://schemas.microsoft.com/office/drawing/2010/main" xmlns="" val="0"/>
+                <a14:useLocalDpi xmlns:a14="http://schemas.microsoft.com/office/drawing/2010/main" val="0"/>
               </a:ext>
             </a:extLst>
           </a:blip>
@@ -3964,7 +3940,7 @@
           <a:noFill/>
           <a:extLst>
             <a:ext uri="{909E8E84-426E-40DD-AFC4-6F175D3DCCD1}">
-              <a14:hiddenFill xmlns:a14="http://schemas.microsoft.com/office/drawing/2010/main" xmlns="">
+              <a14:hiddenFill xmlns:a14="http://schemas.microsoft.com/office/drawing/2010/main">
                 <a:solidFill>
                   <a:srgbClr val="FFFFFF"/>
                 </a:solidFill>
@@ -3976,7 +3952,7 @@
     </p:spTree>
     <p:extLst>
       <p:ext uri="{BB962C8B-B14F-4D97-AF65-F5344CB8AC3E}">
-        <p14:creationId xmlns:p14="http://schemas.microsoft.com/office/powerpoint/2010/main" xmlns="" val="3002037419"/>
+        <p14:creationId xmlns:p14="http://schemas.microsoft.com/office/powerpoint/2010/main" val="3002037419"/>
       </p:ext>
     </p:extLst>
   </p:cSld>
@@ -4128,6 +4104,7 @@
               <a:rPr lang="en-IN" sz="2000" dirty="0"/>
               <a:t>allow your program to execute in a nonlinear fashion.</a:t>
             </a:r>
+            <a:endParaRPr lang="en-IN" sz="2000" dirty="0"/>
           </a:p>
         </p:txBody>
       </p:sp>
@@ -4158,7 +4135,7 @@
     </p:spTree>
     <p:extLst>
       <p:ext uri="{BB962C8B-B14F-4D97-AF65-F5344CB8AC3E}">
-        <p14:creationId xmlns:p14="http://schemas.microsoft.com/office/powerpoint/2010/main" xmlns="" val="153586605"/>
+        <p14:creationId xmlns:p14="http://schemas.microsoft.com/office/powerpoint/2010/main" val="153586605"/>
       </p:ext>
     </p:extLst>
   </p:cSld>
@@ -4459,7 +4436,7 @@
     </p:spTree>
     <p:extLst>
       <p:ext uri="{BB962C8B-B14F-4D97-AF65-F5344CB8AC3E}">
-        <p14:creationId xmlns:p14="http://schemas.microsoft.com/office/powerpoint/2010/main" xmlns="" val="1181002039"/>
+        <p14:creationId xmlns:p14="http://schemas.microsoft.com/office/powerpoint/2010/main" val="1181002039"/>
       </p:ext>
     </p:extLst>
   </p:cSld>
@@ -4585,7 +4562,7 @@
     </p:spTree>
     <p:extLst>
       <p:ext uri="{BB962C8B-B14F-4D97-AF65-F5344CB8AC3E}">
-        <p14:creationId xmlns:p14="http://schemas.microsoft.com/office/powerpoint/2010/main" xmlns="" val="2430108788"/>
+        <p14:creationId xmlns:p14="http://schemas.microsoft.com/office/powerpoint/2010/main" val="2430108788"/>
       </p:ext>
     </p:extLst>
   </p:cSld>
@@ -4711,7 +4688,7 @@
     </p:spTree>
     <p:extLst>
       <p:ext uri="{BB962C8B-B14F-4D97-AF65-F5344CB8AC3E}">
-        <p14:creationId xmlns:p14="http://schemas.microsoft.com/office/powerpoint/2010/main" xmlns="" val="191121649"/>
+        <p14:creationId xmlns:p14="http://schemas.microsoft.com/office/powerpoint/2010/main" val="191121649"/>
       </p:ext>
     </p:extLst>
   </p:cSld>
@@ -4789,7 +4766,7 @@
     </p:spTree>
     <p:extLst>
       <p:ext uri="{BB962C8B-B14F-4D97-AF65-F5344CB8AC3E}">
-        <p14:creationId xmlns:p14="http://schemas.microsoft.com/office/powerpoint/2010/main" xmlns="" val="2471681903"/>
+        <p14:creationId xmlns:p14="http://schemas.microsoft.com/office/powerpoint/2010/main" val="2471681903"/>
       </p:ext>
     </p:extLst>
   </p:cSld>
@@ -4867,7 +4844,7 @@
     </p:spTree>
     <p:extLst>
       <p:ext uri="{BB962C8B-B14F-4D97-AF65-F5344CB8AC3E}">
-        <p14:creationId xmlns:p14="http://schemas.microsoft.com/office/powerpoint/2010/main" xmlns="" val="514811638"/>
+        <p14:creationId xmlns:p14="http://schemas.microsoft.com/office/powerpoint/2010/main" val="514811638"/>
       </p:ext>
     </p:extLst>
   </p:cSld>
@@ -5012,7 +4989,7 @@
     </p:spTree>
     <p:extLst>
       <p:ext uri="{BB962C8B-B14F-4D97-AF65-F5344CB8AC3E}">
-        <p14:creationId xmlns:p14="http://schemas.microsoft.com/office/powerpoint/2010/main" xmlns="" val="4119264203"/>
+        <p14:creationId xmlns:p14="http://schemas.microsoft.com/office/powerpoint/2010/main" val="4119264203"/>
       </p:ext>
     </p:extLst>
   </p:cSld>
@@ -5065,7 +5042,7 @@
     </a:clrScheme>
     <a:fontScheme name="Office Theme">
       <a:majorFont>
-        <a:latin typeface="Calibri Light"/>
+        <a:latin typeface="Calibri Light" panose="020F0302020204030204"/>
         <a:ea typeface=""/>
         <a:cs typeface=""/>
         <a:font script="Jpan" typeface="ＭＳ Ｐゴシック"/>
@@ -5100,7 +5077,7 @@
         <a:font script="Geor" typeface="Sylfaen"/>
       </a:majorFont>
       <a:minorFont>
-        <a:latin typeface="Calibri"/>
+        <a:latin typeface="Calibri" panose="020F0502020204030204"/>
         <a:ea typeface=""/>
         <a:cs typeface=""/>
         <a:font script="Jpan" typeface="ＭＳ Ｐゴシック"/>
@@ -5277,7 +5254,7 @@
   <a:extraClrSchemeLst/>
   <a:extLst>
     <a:ext uri="{05A4C25C-085E-4340-85A3-A5531E510DB2}">
-      <thm15:themeFamily xmlns:thm15="http://schemas.microsoft.com/office/thememl/2012/main" xmlns="" name="Office Theme" id="{62F939B6-93AF-4DB8-9C6B-D6C7DFDC589F}" vid="{4A3C46E8-61CC-4603-A589-7422A47A8E4A}"/>
+      <thm15:themeFamily xmlns:thm15="http://schemas.microsoft.com/office/thememl/2012/main" name="Office Theme" id="{62F939B6-93AF-4DB8-9C6B-D6C7DFDC589F}" vid="{4A3C46E8-61CC-4603-A589-7422A47A8E4A}"/>
     </a:ext>
   </a:extLst>
 </a:theme>
